--- a/其他/薛定谔的猫/薛定谔的猫.pptx
+++ b/其他/薛定谔的猫/薛定谔的猫.pptx
@@ -6,14 +6,14 @@
   </p:sldMasterIdLst>
   <p:sldIdLst>
     <p:sldId id="256" r:id="rId2"/>
-    <p:sldId id="258" r:id="rId3"/>
+    <p:sldId id="270" r:id="rId3"/>
     <p:sldId id="259" r:id="rId4"/>
     <p:sldId id="260" r:id="rId5"/>
     <p:sldId id="262" r:id="rId6"/>
-    <p:sldId id="263" r:id="rId7"/>
-    <p:sldId id="264" r:id="rId8"/>
-    <p:sldId id="265" r:id="rId9"/>
-    <p:sldId id="267" r:id="rId10"/>
+    <p:sldId id="264" r:id="rId7"/>
+    <p:sldId id="269" r:id="rId8"/>
+    <p:sldId id="267" r:id="rId9"/>
+    <p:sldId id="268" r:id="rId10"/>
   </p:sldIdLst>
   <p:sldSz cx="12192000" cy="6858000"/>
   <p:notesSz cx="6858000" cy="9144000"/>
@@ -112,6 +112,11 @@
       </a:defRPr>
     </a:lvl9pPr>
   </p:defaultTextStyle>
+  <p:extLst>
+    <p:ext uri="{EFAFB233-063F-42B5-8137-9DF3F51BA10A}">
+      <p15:sldGuideLst xmlns:p15="http://schemas.microsoft.com/office/powerpoint/2012/main"/>
+    </p:ext>
+  </p:extLst>
 </p:presentation>
 </file>
 
@@ -246,7 +251,7 @@
           <a:p>
             <a:fld id="{4EFD4185-B2D7-4C60-BF7C-5F4C40857339}" type="datetimeFigureOut">
               <a:rPr lang="zh-CN" altLang="en-US" smtClean="0"/>
-              <a:t>2017/9/18 Monday</a:t>
+              <a:t>2017/9/19 Tuesday</a:t>
             </a:fld>
             <a:endParaRPr lang="zh-CN" altLang="en-US"/>
           </a:p>
@@ -416,7 +421,7 @@
           <a:p>
             <a:fld id="{4EFD4185-B2D7-4C60-BF7C-5F4C40857339}" type="datetimeFigureOut">
               <a:rPr lang="zh-CN" altLang="en-US" smtClean="0"/>
-              <a:t>2017/9/18 Monday</a:t>
+              <a:t>2017/9/19 Tuesday</a:t>
             </a:fld>
             <a:endParaRPr lang="zh-CN" altLang="en-US"/>
           </a:p>
@@ -596,7 +601,7 @@
           <a:p>
             <a:fld id="{4EFD4185-B2D7-4C60-BF7C-5F4C40857339}" type="datetimeFigureOut">
               <a:rPr lang="zh-CN" altLang="en-US" smtClean="0"/>
-              <a:t>2017/9/18 Monday</a:t>
+              <a:t>2017/9/19 Tuesday</a:t>
             </a:fld>
             <a:endParaRPr lang="zh-CN" altLang="en-US"/>
           </a:p>
@@ -766,7 +771,7 @@
           <a:p>
             <a:fld id="{4EFD4185-B2D7-4C60-BF7C-5F4C40857339}" type="datetimeFigureOut">
               <a:rPr lang="zh-CN" altLang="en-US" smtClean="0"/>
-              <a:t>2017/9/18 Monday</a:t>
+              <a:t>2017/9/19 Tuesday</a:t>
             </a:fld>
             <a:endParaRPr lang="zh-CN" altLang="en-US"/>
           </a:p>
@@ -1012,7 +1017,7 @@
           <a:p>
             <a:fld id="{4EFD4185-B2D7-4C60-BF7C-5F4C40857339}" type="datetimeFigureOut">
               <a:rPr lang="zh-CN" altLang="en-US" smtClean="0"/>
-              <a:t>2017/9/18 Monday</a:t>
+              <a:t>2017/9/19 Tuesday</a:t>
             </a:fld>
             <a:endParaRPr lang="zh-CN" altLang="en-US"/>
           </a:p>
@@ -1244,7 +1249,7 @@
           <a:p>
             <a:fld id="{4EFD4185-B2D7-4C60-BF7C-5F4C40857339}" type="datetimeFigureOut">
               <a:rPr lang="zh-CN" altLang="en-US" smtClean="0"/>
-              <a:t>2017/9/18 Monday</a:t>
+              <a:t>2017/9/19 Tuesday</a:t>
             </a:fld>
             <a:endParaRPr lang="zh-CN" altLang="en-US"/>
           </a:p>
@@ -1611,7 +1616,7 @@
           <a:p>
             <a:fld id="{4EFD4185-B2D7-4C60-BF7C-5F4C40857339}" type="datetimeFigureOut">
               <a:rPr lang="zh-CN" altLang="en-US" smtClean="0"/>
-              <a:t>2017/9/18 Monday</a:t>
+              <a:t>2017/9/19 Tuesday</a:t>
             </a:fld>
             <a:endParaRPr lang="zh-CN" altLang="en-US"/>
           </a:p>
@@ -1729,7 +1734,7 @@
           <a:p>
             <a:fld id="{4EFD4185-B2D7-4C60-BF7C-5F4C40857339}" type="datetimeFigureOut">
               <a:rPr lang="zh-CN" altLang="en-US" smtClean="0"/>
-              <a:t>2017/9/18 Monday</a:t>
+              <a:t>2017/9/19 Tuesday</a:t>
             </a:fld>
             <a:endParaRPr lang="zh-CN" altLang="en-US"/>
           </a:p>
@@ -1824,7 +1829,7 @@
           <a:p>
             <a:fld id="{4EFD4185-B2D7-4C60-BF7C-5F4C40857339}" type="datetimeFigureOut">
               <a:rPr lang="zh-CN" altLang="en-US" smtClean="0"/>
-              <a:t>2017/9/18 Monday</a:t>
+              <a:t>2017/9/19 Tuesday</a:t>
             </a:fld>
             <a:endParaRPr lang="zh-CN" altLang="en-US"/>
           </a:p>
@@ -2101,7 +2106,7 @@
           <a:p>
             <a:fld id="{4EFD4185-B2D7-4C60-BF7C-5F4C40857339}" type="datetimeFigureOut">
               <a:rPr lang="zh-CN" altLang="en-US" smtClean="0"/>
-              <a:t>2017/9/18 Monday</a:t>
+              <a:t>2017/9/19 Tuesday</a:t>
             </a:fld>
             <a:endParaRPr lang="zh-CN" altLang="en-US"/>
           </a:p>
@@ -2354,7 +2359,7 @@
           <a:p>
             <a:fld id="{4EFD4185-B2D7-4C60-BF7C-5F4C40857339}" type="datetimeFigureOut">
               <a:rPr lang="zh-CN" altLang="en-US" smtClean="0"/>
-              <a:t>2017/9/18 Monday</a:t>
+              <a:t>2017/9/19 Tuesday</a:t>
             </a:fld>
             <a:endParaRPr lang="zh-CN" altLang="en-US"/>
           </a:p>
@@ -2567,7 +2572,7 @@
           <a:p>
             <a:fld id="{4EFD4185-B2D7-4C60-BF7C-5F4C40857339}" type="datetimeFigureOut">
               <a:rPr lang="zh-CN" altLang="en-US" smtClean="0"/>
-              <a:t>2017/9/18 Monday</a:t>
+              <a:t>2017/9/19 Tuesday</a:t>
             </a:fld>
             <a:endParaRPr lang="zh-CN" altLang="en-US"/>
           </a:p>
@@ -3039,7 +3044,7 @@
         <p:spPr>
           <a:xfrm>
             <a:off x="837062" y="4774480"/>
-            <a:ext cx="11104728" cy="923330"/>
+            <a:ext cx="11104728" cy="1384995"/>
           </a:xfrm>
           <a:prstGeom prst="rect">
             <a:avLst/>
@@ -3052,111 +3057,69 @@
           <a:lstStyle/>
           <a:p>
             <a:r>
-              <a:rPr lang="zh-CN" altLang="en-US" b="0" i="0" dirty="0" smtClean="0">
+              <a:rPr lang="zh-CN" altLang="en-US" sz="2800" b="0" i="0" dirty="0" smtClean="0">
                 <a:effectLst/>
                 <a:latin typeface="arial" panose="020B0604020202020204" pitchFamily="34" charset="0"/>
               </a:rPr>
-              <a:t>薛定谔的猫是</a:t>
-            </a:r>
-            <a:r>
-              <a:rPr lang="zh-CN" altLang="en-US" b="0" i="0" u="none" strike="noStrike" dirty="0" smtClean="0">
+              <a:t>试图</a:t>
+            </a:r>
+            <a:r>
+              <a:rPr lang="zh-CN" altLang="en-US" sz="2800" b="0" i="0" dirty="0" smtClean="0">
                 <a:effectLst/>
                 <a:latin typeface="arial" panose="020B0604020202020204" pitchFamily="34" charset="0"/>
               </a:rPr>
-              <a:t>奥地利</a:t>
-            </a:r>
-            <a:r>
-              <a:rPr lang="zh-CN" altLang="en-US" b="0" i="0" dirty="0" smtClean="0">
-                <a:effectLst/>
-                <a:latin typeface="arial" panose="020B0604020202020204" pitchFamily="34" charset="0"/>
-              </a:rPr>
-              <a:t>著名</a:t>
-            </a:r>
-            <a:r>
-              <a:rPr lang="zh-CN" altLang="en-US" b="0" i="0" u="none" strike="noStrike" dirty="0" smtClean="0">
-                <a:effectLst/>
-                <a:latin typeface="arial" panose="020B0604020202020204" pitchFamily="34" charset="0"/>
-              </a:rPr>
-              <a:t>物理学家薛定谔</a:t>
-            </a:r>
-            <a:r>
-              <a:rPr lang="zh-CN" altLang="en-US" b="0" i="0" dirty="0" smtClean="0">
-                <a:effectLst/>
-                <a:latin typeface="arial" panose="020B0604020202020204" pitchFamily="34" charset="0"/>
-              </a:rPr>
-              <a:t>提出的一个思想实验，试图从宏观尺度阐述微观尺度的</a:t>
-            </a:r>
-            <a:r>
-              <a:rPr lang="zh-CN" altLang="en-US" b="0" i="0" u="none" strike="noStrike" dirty="0" smtClean="0">
+              <a:t>从宏观尺度阐述微观尺度的</a:t>
+            </a:r>
+            <a:r>
+              <a:rPr lang="zh-CN" altLang="en-US" sz="2800" b="0" i="0" u="none" strike="noStrike" dirty="0" smtClean="0">
                 <a:effectLst/>
                 <a:latin typeface="arial" panose="020B0604020202020204" pitchFamily="34" charset="0"/>
               </a:rPr>
               <a:t>量子叠加原理</a:t>
             </a:r>
             <a:r>
-              <a:rPr lang="zh-CN" altLang="en-US" b="0" i="0" dirty="0" smtClean="0">
+              <a:rPr lang="zh-CN" altLang="en-US" sz="2800" b="0" i="0" dirty="0" smtClean="0">
                 <a:effectLst/>
                 <a:latin typeface="arial" panose="020B0604020202020204" pitchFamily="34" charset="0"/>
               </a:rPr>
               <a:t>的问题，巧妙地把微观物质在观测后是粒子还是波的存在形式和</a:t>
             </a:r>
             <a:r>
-              <a:rPr lang="zh-CN" altLang="en-US" b="0" i="0" u="none" strike="noStrike" dirty="0" smtClean="0">
+              <a:rPr lang="zh-CN" altLang="en-US" sz="2800" b="0" i="0" u="none" strike="noStrike" dirty="0" smtClean="0">
                 <a:effectLst/>
                 <a:latin typeface="arial" panose="020B0604020202020204" pitchFamily="34" charset="0"/>
               </a:rPr>
               <a:t>宏观</a:t>
             </a:r>
             <a:r>
-              <a:rPr lang="zh-CN" altLang="en-US" b="0" i="0" dirty="0" smtClean="0">
+              <a:rPr lang="zh-CN" altLang="en-US" sz="2800" b="0" i="0" dirty="0" smtClean="0">
                 <a:effectLst/>
                 <a:latin typeface="arial" panose="020B0604020202020204" pitchFamily="34" charset="0"/>
               </a:rPr>
               <a:t>的猫联系起来，以此求证观测介入时</a:t>
             </a:r>
             <a:r>
-              <a:rPr lang="zh-CN" altLang="en-US" b="0" i="0" u="none" strike="noStrike" dirty="0" smtClean="0">
+              <a:rPr lang="zh-CN" altLang="en-US" sz="2800" b="0" i="0" u="none" strike="noStrike" dirty="0" smtClean="0">
                 <a:effectLst/>
                 <a:latin typeface="arial" panose="020B0604020202020204" pitchFamily="34" charset="0"/>
               </a:rPr>
               <a:t>量子</a:t>
             </a:r>
             <a:r>
-              <a:rPr lang="zh-CN" altLang="en-US" b="0" i="0" dirty="0" smtClean="0">
+              <a:rPr lang="zh-CN" altLang="en-US" sz="2800" b="0" i="0" dirty="0" smtClean="0">
                 <a:effectLst/>
                 <a:latin typeface="arial" panose="020B0604020202020204" pitchFamily="34" charset="0"/>
               </a:rPr>
-              <a:t>的存在形式。随着量子物理学的发展，薛定谔的猫还延伸出了</a:t>
-            </a:r>
-            <a:r>
-              <a:rPr lang="zh-CN" altLang="en-US" b="0" i="0" u="none" strike="noStrike" dirty="0" smtClean="0">
+              <a:t>的存在形式</a:t>
+            </a:r>
+            <a:r>
+              <a:rPr lang="zh-CN" altLang="en-US" sz="2800" b="0" i="0" dirty="0" smtClean="0">
                 <a:effectLst/>
                 <a:latin typeface="arial" panose="020B0604020202020204" pitchFamily="34" charset="0"/>
               </a:rPr>
-              <a:t>平行宇宙</a:t>
-            </a:r>
-            <a:r>
-              <a:rPr lang="zh-CN" altLang="en-US" b="0" i="0" dirty="0" smtClean="0">
-                <a:effectLst/>
-                <a:latin typeface="arial" panose="020B0604020202020204" pitchFamily="34" charset="0"/>
-              </a:rPr>
-              <a:t>等物理问题和</a:t>
-            </a:r>
-            <a:r>
-              <a:rPr lang="zh-CN" altLang="en-US" b="0" i="0" u="none" strike="noStrike" dirty="0" smtClean="0">
-                <a:effectLst/>
-                <a:latin typeface="arial" panose="020B0604020202020204" pitchFamily="34" charset="0"/>
-              </a:rPr>
-              <a:t>哲学</a:t>
-            </a:r>
-            <a:r>
-              <a:rPr lang="zh-CN" altLang="en-US" b="0" i="0" dirty="0" smtClean="0">
-                <a:effectLst/>
-                <a:latin typeface="arial" panose="020B0604020202020204" pitchFamily="34" charset="0"/>
-              </a:rPr>
-              <a:t>争议。</a:t>
-            </a:r>
-            <a:endParaRPr lang="zh-CN" altLang="en-US" dirty="0"/>
+              <a:t>。</a:t>
+            </a:r>
+            <a:endParaRPr lang="zh-CN" altLang="en-US" sz="2800" dirty="0"/>
           </a:p>
         </p:txBody>
       </p:sp>
@@ -3205,8 +3168,8 @@
         </p:nvSpPr>
         <p:spPr>
           <a:xfrm>
-            <a:off x="874468" y="623964"/>
-            <a:ext cx="1620957" cy="523220"/>
+            <a:off x="874468" y="514782"/>
+            <a:ext cx="1826141" cy="584775"/>
           </a:xfrm>
           <a:prstGeom prst="rect">
             <a:avLst/>
@@ -3219,10 +3182,10 @@
           <a:lstStyle/>
           <a:p>
             <a:r>
-              <a:rPr lang="zh-CN" altLang="en-US" sz="2800" dirty="0" smtClean="0"/>
+              <a:rPr lang="zh-CN" altLang="en-US" sz="3200" dirty="0" smtClean="0"/>
               <a:t>双缝实验</a:t>
             </a:r>
-            <a:endParaRPr lang="zh-CN" altLang="en-US" sz="2800" dirty="0"/>
+            <a:endParaRPr lang="zh-CN" altLang="en-US" sz="3200" dirty="0"/>
           </a:p>
         </p:txBody>
       </p:sp>
@@ -3289,7 +3252,7 @@
     </p:spTree>
     <p:extLst>
       <p:ext uri="{BB962C8B-B14F-4D97-AF65-F5344CB8AC3E}">
-        <p14:creationId xmlns:p14="http://schemas.microsoft.com/office/powerpoint/2010/main" val="1445861112"/>
+        <p14:creationId xmlns:p14="http://schemas.microsoft.com/office/powerpoint/2010/main" val="2324174796"/>
       </p:ext>
     </p:extLst>
   </p:cSld>
@@ -3325,14 +3288,14 @@
       </p:grpSpPr>
       <p:sp>
         <p:nvSpPr>
-          <p:cNvPr id="2" name="矩形 1"/>
+          <p:cNvPr id="4" name="矩形 3"/>
           <p:cNvSpPr/>
           <p:nvPr/>
         </p:nvSpPr>
         <p:spPr>
           <a:xfrm>
-            <a:off x="874468" y="718951"/>
-            <a:ext cx="4134465" cy="523220"/>
+            <a:off x="751639" y="610316"/>
+            <a:ext cx="2236510" cy="584775"/>
           </a:xfrm>
           <a:prstGeom prst="rect">
             <a:avLst/>
@@ -3345,23 +3308,27 @@
           <a:lstStyle/>
           <a:p>
             <a:r>
-              <a:rPr lang="zh-CN" altLang="en-US" sz="2800" dirty="0" smtClean="0"/>
-              <a:t>发射一个光子，结果相同</a:t>
-            </a:r>
-            <a:endParaRPr lang="zh-CN" altLang="en-US" sz="2800" dirty="0"/>
-          </a:p>
-        </p:txBody>
-      </p:sp>
-      <p:sp>
-        <p:nvSpPr>
-          <p:cNvPr id="4" name="矩形 3"/>
+              <a:rPr lang="zh-CN" altLang="en-US" sz="3200" dirty="0" smtClean="0"/>
+              <a:t>量子叠加</a:t>
+            </a:r>
+            <a:r>
+              <a:rPr lang="zh-CN" altLang="en-US" sz="3200" dirty="0"/>
+              <a:t>态</a:t>
+            </a:r>
+            <a:endParaRPr lang="zh-CN" altLang="en-US" sz="3200" dirty="0"/>
+          </a:p>
+        </p:txBody>
+      </p:sp>
+      <p:sp>
+        <p:nvSpPr>
+          <p:cNvPr id="3" name="矩形 2"/>
           <p:cNvSpPr/>
           <p:nvPr/>
         </p:nvSpPr>
         <p:spPr>
           <a:xfrm>
-            <a:off x="874468" y="1592955"/>
-            <a:ext cx="3185487" cy="369332"/>
+            <a:off x="2167411" y="1674841"/>
+            <a:ext cx="3877985" cy="461665"/>
           </a:xfrm>
           <a:prstGeom prst="rect">
             <a:avLst/>
@@ -3374,39 +3341,9 @@
           <a:lstStyle/>
           <a:p>
             <a:r>
-              <a:rPr lang="zh-CN" altLang="en-US" dirty="0" smtClean="0"/>
-              <a:t>粒子，既在这里，也在那里。</a:t>
-            </a:r>
-            <a:endParaRPr lang="zh-CN" altLang="en-US" dirty="0"/>
-          </a:p>
-        </p:txBody>
-      </p:sp>
-      <p:sp>
-        <p:nvSpPr>
-          <p:cNvPr id="6" name="矩形 5"/>
-          <p:cNvSpPr/>
-          <p:nvPr/>
-        </p:nvSpPr>
-        <p:spPr>
-          <a:xfrm>
-            <a:off x="874468" y="2313071"/>
-            <a:ext cx="10877266" cy="646331"/>
-          </a:xfrm>
-          <a:prstGeom prst="rect">
-            <a:avLst/>
-          </a:prstGeom>
-        </p:spPr>
-        <p:txBody>
-          <a:bodyPr wrap="square">
-            <a:spAutoFit/>
-          </a:bodyPr>
-          <a:lstStyle/>
-          <a:p>
-            <a:r>
-              <a:rPr lang="zh-CN" altLang="en-US" dirty="0" smtClean="0"/>
-              <a:t>微观世界里的东西，在被观测之前，可以没有一个固定的状态，是几种状态的叠加态 —— 也就是“既……，又……”。</a:t>
-            </a:r>
-            <a:endParaRPr lang="zh-CN" altLang="en-US" dirty="0"/>
+              <a:rPr lang="zh-CN" altLang="en-US" sz="2400" dirty="0"/>
+              <a:t>粒子，既在这里，也在那里</a:t>
+            </a:r>
           </a:p>
         </p:txBody>
       </p:sp>
@@ -3447,57 +3384,6 @@
           <a:chExt cx="0" cy="0"/>
         </a:xfrm>
       </p:grpSpPr>
-      <p:sp>
-        <p:nvSpPr>
-          <p:cNvPr id="3" name="矩形 2"/>
-          <p:cNvSpPr/>
-          <p:nvPr/>
-        </p:nvSpPr>
-        <p:spPr>
-          <a:xfrm>
-            <a:off x="259306" y="938524"/>
-            <a:ext cx="11709779" cy="1754326"/>
-          </a:xfrm>
-          <a:prstGeom prst="rect">
-            <a:avLst/>
-          </a:prstGeom>
-        </p:spPr>
-        <p:txBody>
-          <a:bodyPr wrap="square">
-            <a:spAutoFit/>
-          </a:bodyPr>
-          <a:lstStyle/>
-          <a:p>
-            <a:r>
-              <a:rPr lang="zh-CN" altLang="en-US" dirty="0" smtClean="0"/>
-              <a:t>在观测之前，你不能确定它在哪里。你一观测，叠加态塌缩了，你才得到一个确定的状态。 </a:t>
-            </a:r>
-            <a:endParaRPr lang="en-US" altLang="zh-CN" dirty="0" smtClean="0"/>
-          </a:p>
-          <a:p>
-            <a:r>
-              <a:rPr lang="zh-CN" altLang="en-US" dirty="0" smtClean="0"/>
-              <a:t>说到这里，我要澄清一个流行的错误看法。有人认为，你说的这个波函数塌缩无非就是“观测扰动了被观测的物体”，没有什么神奇的 </a:t>
-            </a:r>
-            <a:r>
-              <a:rPr lang="en-US" altLang="zh-CN" dirty="0" smtClean="0"/>
-              <a:t>—— </a:t>
-            </a:r>
-            <a:r>
-              <a:rPr lang="zh-CN" altLang="en-US" dirty="0" smtClean="0"/>
-              <a:t>这是对“测不准原理”的一个错误理解。</a:t>
-            </a:r>
-            <a:endParaRPr lang="en-US" altLang="zh-CN" dirty="0"/>
-          </a:p>
-          <a:p>
-            <a:r>
-              <a:rPr lang="zh-CN" altLang="en-US" dirty="0" smtClean="0"/>
-              <a:t>比如你要测量一个电子，为了测量，你必须把一个光子打到这个电子身上，看光子怎么反弹回来。可是微观世界里的东西都很“弱”，你用光子这么一打，电子的轨道和速度就被你干扰了，所以你的测量这个动作本身其实就已经改变了电子，那你这个测量肯定就是不准的。 </a:t>
-            </a:r>
-            <a:endParaRPr lang="zh-CN" altLang="en-US" dirty="0"/>
-          </a:p>
-        </p:txBody>
-      </p:sp>
       <p:pic>
         <p:nvPicPr>
           <p:cNvPr id="5" name="图片 4"/>
@@ -3520,8 +3406,8 @@
         </p:blipFill>
         <p:spPr>
           <a:xfrm>
-            <a:off x="5049672" y="2961861"/>
-            <a:ext cx="3768771" cy="3369281"/>
+            <a:off x="2483891" y="1058614"/>
+            <a:ext cx="5691117" cy="5087858"/>
           </a:xfrm>
           <a:prstGeom prst="rect">
             <a:avLst/>
@@ -3536,8 +3422,8 @@
         </p:nvSpPr>
         <p:spPr>
           <a:xfrm>
-            <a:off x="259306" y="228179"/>
-            <a:ext cx="1261884" cy="523220"/>
+            <a:off x="614148" y="473839"/>
+            <a:ext cx="1415772" cy="584775"/>
           </a:xfrm>
           <a:prstGeom prst="rect">
             <a:avLst/>
@@ -3550,39 +3436,10 @@
           <a:lstStyle/>
           <a:p>
             <a:r>
-              <a:rPr lang="zh-CN" altLang="en-US" sz="2800" dirty="0" smtClean="0"/>
+              <a:rPr lang="zh-CN" altLang="en-US" sz="3200" dirty="0" smtClean="0"/>
               <a:t>测不准</a:t>
             </a:r>
-            <a:endParaRPr lang="en-US" altLang="zh-CN" sz="2800" dirty="0" smtClean="0"/>
-          </a:p>
-        </p:txBody>
-      </p:sp>
-      <p:sp>
-        <p:nvSpPr>
-          <p:cNvPr id="7" name="矩形 6"/>
-          <p:cNvSpPr/>
-          <p:nvPr/>
-        </p:nvSpPr>
-        <p:spPr>
-          <a:xfrm>
-            <a:off x="259306" y="2961861"/>
-            <a:ext cx="3630305" cy="1200329"/>
-          </a:xfrm>
-          <a:prstGeom prst="rect">
-            <a:avLst/>
-          </a:prstGeom>
-        </p:spPr>
-        <p:txBody>
-          <a:bodyPr wrap="square">
-            <a:spAutoFit/>
-          </a:bodyPr>
-          <a:lstStyle/>
-          <a:p>
-            <a:r>
-              <a:rPr lang="zh-CN" altLang="en-US" dirty="0" smtClean="0"/>
-              <a:t>“你爱我吗？” —— 你这个测量动作本身就可能改变ta，也许ta之前并不爱你，你这一问，ta以为你爱ta，结果ta当场爱上你了。</a:t>
-            </a:r>
-            <a:endParaRPr lang="zh-CN" altLang="en-US" dirty="0"/>
+            <a:endParaRPr lang="en-US" altLang="zh-CN" sz="3200" dirty="0" smtClean="0"/>
           </a:p>
         </p:txBody>
       </p:sp>
@@ -3625,48 +3482,78 @@
       </p:grpSpPr>
       <p:sp>
         <p:nvSpPr>
-          <p:cNvPr id="3" name="矩形 2"/>
+          <p:cNvPr id="2" name="矩形 1"/>
           <p:cNvSpPr/>
           <p:nvPr/>
         </p:nvSpPr>
         <p:spPr>
           <a:xfrm>
-            <a:off x="696036" y="1165831"/>
-            <a:ext cx="8229600" cy="369332"/>
+            <a:off x="844071" y="282769"/>
+            <a:ext cx="1415772" cy="584775"/>
           </a:xfrm>
           <a:prstGeom prst="rect">
             <a:avLst/>
           </a:prstGeom>
         </p:spPr>
         <p:txBody>
-          <a:bodyPr wrap="square">
+          <a:bodyPr wrap="none">
             <a:spAutoFit/>
           </a:bodyPr>
           <a:lstStyle/>
           <a:p>
             <a:r>
-              <a:rPr lang="zh-CN" altLang="en-US" dirty="0" smtClean="0"/>
-              <a:t>不仅仅你测不准，而是观测之前根本就*不存在*一个特定的位置。</a:t>
-            </a:r>
-            <a:endParaRPr lang="zh-CN" altLang="en-US" dirty="0"/>
-          </a:p>
-        </p:txBody>
-      </p:sp>
-      <p:sp>
-        <p:nvSpPr>
-          <p:cNvPr id="2" name="矩形 1"/>
-          <p:cNvSpPr/>
+              <a:rPr lang="zh-CN" altLang="en-US" sz="3200" dirty="0" smtClean="0"/>
+              <a:t>不存在</a:t>
+            </a:r>
+            <a:endParaRPr lang="zh-CN" altLang="en-US" sz="3200" dirty="0"/>
+          </a:p>
+        </p:txBody>
+      </p:sp>
+      <p:pic>
+        <p:nvPicPr>
+          <p:cNvPr id="4" name="图片 3"/>
+          <p:cNvPicPr>
+            <a:picLocks noChangeAspect="1"/>
+          </p:cNvPicPr>
           <p:nvPr/>
-        </p:nvSpPr>
-        <p:spPr>
-          <a:xfrm>
-            <a:off x="696036" y="282770"/>
-            <a:ext cx="1569660" cy="646331"/>
+        </p:nvPicPr>
+        <p:blipFill>
+          <a:blip r:embed="rId2">
+            <a:extLst>
+              <a:ext uri="{28A0092B-C50C-407E-A947-70E740481C1C}">
+                <a14:useLocalDpi xmlns:a14="http://schemas.microsoft.com/office/drawing/2010/main" val="0"/>
+              </a:ext>
+            </a:extLst>
+          </a:blip>
+          <a:stretch>
+            <a:fillRect/>
+          </a:stretch>
+        </p:blipFill>
+        <p:spPr>
+          <a:xfrm>
+            <a:off x="1551957" y="2210938"/>
+            <a:ext cx="7568545" cy="4162700"/>
           </a:xfrm>
           <a:prstGeom prst="rect">
             <a:avLst/>
           </a:prstGeom>
         </p:spPr>
+      </p:pic>
+      <p:sp>
+        <p:nvSpPr>
+          <p:cNvPr id="5" name="矩形 4"/>
+          <p:cNvSpPr/>
+          <p:nvPr/>
+        </p:nvSpPr>
+        <p:spPr>
+          <a:xfrm>
+            <a:off x="2012242" y="1277631"/>
+            <a:ext cx="6647974" cy="523220"/>
+          </a:xfrm>
+          <a:prstGeom prst="rect">
+            <a:avLst/>
+          </a:prstGeom>
+        </p:spPr>
         <p:txBody>
           <a:bodyPr wrap="none">
             <a:spAutoFit/>
@@ -3674,10 +3561,9 @@
           <a:lstStyle/>
           <a:p>
             <a:r>
-              <a:rPr lang="zh-CN" altLang="en-US" sz="3600" dirty="0" smtClean="0"/>
-              <a:t>不存在</a:t>
-            </a:r>
-            <a:endParaRPr lang="zh-CN" altLang="en-US" sz="3600" dirty="0"/>
+              <a:rPr lang="zh-CN" altLang="en-US" sz="2800" dirty="0"/>
+              <a:t>这个原子中的这个电子现在到底在哪里？</a:t>
+            </a:r>
           </a:p>
         </p:txBody>
       </p:sp>
@@ -3718,98 +3604,9 @@
           <a:chExt cx="0" cy="0"/>
         </a:xfrm>
       </p:grpSpPr>
-      <p:sp>
-        <p:nvSpPr>
-          <p:cNvPr id="3" name="矩形 2"/>
-          <p:cNvSpPr/>
-          <p:nvPr/>
-        </p:nvSpPr>
-        <p:spPr>
-          <a:xfrm>
-            <a:off x="364110" y="865581"/>
-            <a:ext cx="11259403" cy="1477328"/>
-          </a:xfrm>
-          <a:prstGeom prst="rect">
-            <a:avLst/>
-          </a:prstGeom>
-        </p:spPr>
-        <p:txBody>
-          <a:bodyPr wrap="square">
-            <a:spAutoFit/>
-          </a:bodyPr>
-          <a:lstStyle/>
-          <a:p>
-            <a:r>
-              <a:rPr lang="zh-CN" altLang="en-US" dirty="0" smtClean="0"/>
-              <a:t>这个问题，在量子力学框架内，你根本就不应该问 </a:t>
-            </a:r>
-            <a:r>
-              <a:rPr lang="en-US" altLang="zh-CN" dirty="0" smtClean="0"/>
-              <a:t>—— </a:t>
-            </a:r>
-            <a:r>
-              <a:rPr lang="zh-CN" altLang="en-US" dirty="0" smtClean="0"/>
-              <a:t>因为具体位置没有意义。</a:t>
-            </a:r>
-            <a:endParaRPr lang="en-US" altLang="zh-CN" dirty="0" smtClean="0"/>
-          </a:p>
-          <a:p>
-            <a:r>
-              <a:rPr lang="zh-CN" altLang="en-US" dirty="0" smtClean="0"/>
-              <a:t>下面这张图，左边是我们传统上对电子位置的想象 </a:t>
-            </a:r>
-            <a:r>
-              <a:rPr lang="en-US" altLang="zh-CN" dirty="0" smtClean="0"/>
-              <a:t>—— </a:t>
-            </a:r>
-            <a:r>
-              <a:rPr lang="zh-CN" altLang="en-US" dirty="0" smtClean="0"/>
-              <a:t>它就好像一个行星绕着太阳转一样，在一个轨道上绕着原子核转。这个图像是错误的。电子根本就没有什么轨道，根本就没有什么“位置”。 正确图像是右边这个，电子是一片“云” </a:t>
-            </a:r>
-            <a:r>
-              <a:rPr lang="en-US" altLang="zh-CN" dirty="0" smtClean="0"/>
-              <a:t>—— </a:t>
-            </a:r>
-            <a:r>
-              <a:rPr lang="zh-CN" altLang="en-US" dirty="0" smtClean="0"/>
-              <a:t>在你测量它之前，它*同时*出现在原子核附近的所有地方。这就是微观世界。我们在宏观世界的一些概念，位置、速度，甚至时间，在微观世界都要重新反思。</a:t>
-            </a:r>
-            <a:endParaRPr lang="zh-CN" altLang="en-US" dirty="0"/>
-          </a:p>
-        </p:txBody>
-      </p:sp>
-      <p:sp>
-        <p:nvSpPr>
-          <p:cNvPr id="2" name="矩形 1"/>
-          <p:cNvSpPr/>
-          <p:nvPr/>
-        </p:nvSpPr>
-        <p:spPr>
-          <a:xfrm>
-            <a:off x="364110" y="323714"/>
-            <a:ext cx="4339650" cy="369332"/>
-          </a:xfrm>
-          <a:prstGeom prst="rect">
-            <a:avLst/>
-          </a:prstGeom>
-        </p:spPr>
-        <p:txBody>
-          <a:bodyPr wrap="none">
-            <a:spAutoFit/>
-          </a:bodyPr>
-          <a:lstStyle/>
-          <a:p>
-            <a:r>
-              <a:rPr lang="zh-CN" altLang="en-US" dirty="0" smtClean="0"/>
-              <a:t>这个原子中的这个电子现在到底在哪里？</a:t>
-            </a:r>
-            <a:endParaRPr lang="zh-CN" altLang="en-US" dirty="0"/>
-          </a:p>
-        </p:txBody>
-      </p:sp>
       <p:pic>
         <p:nvPicPr>
-          <p:cNvPr id="4" name="图片 3"/>
+          <p:cNvPr id="6" name="图片 5"/>
           <p:cNvPicPr>
             <a:picLocks noChangeAspect="1"/>
           </p:cNvPicPr>
@@ -3829,18 +3626,48 @@
         </p:blipFill>
         <p:spPr>
           <a:xfrm>
-            <a:off x="2660061" y="2952171"/>
-            <a:ext cx="6667500" cy="3667125"/>
+            <a:off x="1951630" y="1698622"/>
+            <a:ext cx="7970292" cy="4111658"/>
           </a:xfrm>
           <a:prstGeom prst="rect">
             <a:avLst/>
           </a:prstGeom>
         </p:spPr>
       </p:pic>
+      <p:sp>
+        <p:nvSpPr>
+          <p:cNvPr id="7" name="标题 1"/>
+          <p:cNvSpPr>
+            <a:spLocks noGrp="1"/>
+          </p:cNvSpPr>
+          <p:nvPr>
+            <p:ph type="ctrTitle"/>
+          </p:nvPr>
+        </p:nvSpPr>
+        <p:spPr>
+          <a:xfrm>
+            <a:off x="393511" y="464022"/>
+            <a:ext cx="3116238" cy="712173"/>
+          </a:xfrm>
+        </p:spPr>
+        <p:txBody>
+          <a:bodyPr>
+            <a:normAutofit/>
+          </a:bodyPr>
+          <a:lstStyle/>
+          <a:p>
+            <a:r>
+              <a:rPr lang="zh-CN" altLang="en-US" sz="3200" dirty="0" smtClean="0"/>
+              <a:t>薛定谔的猫</a:t>
+            </a:r>
+            <a:endParaRPr lang="zh-CN" altLang="en-US" sz="3200" dirty="0"/>
+          </a:p>
+        </p:txBody>
+      </p:sp>
     </p:spTree>
     <p:extLst>
       <p:ext uri="{BB962C8B-B14F-4D97-AF65-F5344CB8AC3E}">
-        <p14:creationId xmlns:p14="http://schemas.microsoft.com/office/powerpoint/2010/main" val="1854087890"/>
+        <p14:creationId xmlns:p14="http://schemas.microsoft.com/office/powerpoint/2010/main" val="1522054385"/>
       </p:ext>
     </p:extLst>
   </p:cSld>
@@ -3874,66 +3701,6 @@
           <a:chExt cx="0" cy="0"/>
         </a:xfrm>
       </p:grpSpPr>
-      <p:sp>
-        <p:nvSpPr>
-          <p:cNvPr id="3" name="矩形 2"/>
-          <p:cNvSpPr/>
-          <p:nvPr/>
-        </p:nvSpPr>
-        <p:spPr>
-          <a:xfrm>
-            <a:off x="436728" y="565329"/>
-            <a:ext cx="11354938" cy="1754326"/>
-          </a:xfrm>
-          <a:prstGeom prst="rect">
-            <a:avLst/>
-          </a:prstGeom>
-        </p:spPr>
-        <p:txBody>
-          <a:bodyPr wrap="square">
-            <a:spAutoFit/>
-          </a:bodyPr>
-          <a:lstStyle/>
-          <a:p>
-            <a:r>
-              <a:rPr lang="zh-CN" altLang="en-US" dirty="0" smtClean="0"/>
-              <a:t>然后薛定谔就提出一个思想实验。在一个封闭的大箱子里，放一只猫。箱子里有个放射性装置，里面的放射性物质在一小时之内，可能衰变，也可能不衰变。如果衰变，那它就会触发一个装置，装置打碎瓶子，瓶子里面有杀猫毒气。 </a:t>
-            </a:r>
-            <a:endParaRPr lang="en-US" altLang="zh-CN" dirty="0" smtClean="0"/>
-          </a:p>
-          <a:p>
-            <a:r>
-              <a:rPr lang="zh-CN" altLang="en-US" dirty="0" smtClean="0"/>
-              <a:t>在你打开箱子看之前，那个放射性物质处在“衰变”和“没有衰变”的量子叠加态 </a:t>
-            </a:r>
-            <a:r>
-              <a:rPr lang="en-US" altLang="zh-CN" dirty="0" smtClean="0"/>
-              <a:t>—— </a:t>
-            </a:r>
-            <a:r>
-              <a:rPr lang="zh-CN" altLang="en-US" dirty="0" smtClean="0"/>
-              <a:t>既衰变了，也没有衰变。那么请问，在你打开箱子看之前，那只猫 </a:t>
-            </a:r>
-            <a:r>
-              <a:rPr lang="en-US" altLang="zh-CN" dirty="0" smtClean="0"/>
-              <a:t>—— </a:t>
-            </a:r>
-            <a:r>
-              <a:rPr lang="zh-CN" altLang="en-US" dirty="0" smtClean="0"/>
-              <a:t>一个宏观的物体 </a:t>
-            </a:r>
-            <a:r>
-              <a:rPr lang="en-US" altLang="zh-CN" dirty="0" smtClean="0"/>
-              <a:t>—— </a:t>
-            </a:r>
-            <a:r>
-              <a:rPr lang="zh-CN" altLang="en-US" dirty="0" smtClean="0"/>
-              <a:t>难道也处在量子叠加态吗？什么叫“猫既是死的，也是活的？</a:t>
-            </a:r>
-            <a:endParaRPr lang="zh-CN" altLang="en-US" dirty="0"/>
-          </a:p>
-        </p:txBody>
-      </p:sp>
       <p:pic>
         <p:nvPicPr>
           <p:cNvPr id="2" name="图片 1"/>
@@ -3956,8 +3723,8 @@
         </p:blipFill>
         <p:spPr>
           <a:xfrm>
-            <a:off x="3993960" y="2538484"/>
-            <a:ext cx="3882788" cy="3882788"/>
+            <a:off x="3158659" y="1405718"/>
+            <a:ext cx="5152827" cy="5152827"/>
           </a:xfrm>
           <a:prstGeom prst="rect">
             <a:avLst/>
@@ -3966,37 +3733,36 @@
       </p:pic>
       <p:sp>
         <p:nvSpPr>
-          <p:cNvPr id="4" name="矩形 3"/>
+          <p:cNvPr id="5" name="矩形 4"/>
           <p:cNvSpPr/>
           <p:nvPr/>
         </p:nvSpPr>
         <p:spPr>
           <a:xfrm>
-            <a:off x="536811" y="2538484"/>
-            <a:ext cx="2820539" cy="923330"/>
+            <a:off x="768824" y="569372"/>
+            <a:ext cx="4288353" cy="584775"/>
           </a:xfrm>
           <a:prstGeom prst="rect">
             <a:avLst/>
           </a:prstGeom>
         </p:spPr>
         <p:txBody>
-          <a:bodyPr wrap="square">
+          <a:bodyPr wrap="none">
             <a:spAutoFit/>
           </a:bodyPr>
           <a:lstStyle/>
           <a:p>
             <a:r>
-              <a:rPr lang="zh-CN" altLang="en-US" dirty="0" smtClean="0"/>
-              <a:t>这个思想实验把微观的量子不确定性和宏观世界直接联系在了一起。</a:t>
-            </a:r>
-            <a:endParaRPr lang="zh-CN" altLang="en-US" dirty="0"/>
+              <a:rPr lang="zh-CN" altLang="en-US" sz="3200" dirty="0"/>
+              <a:t>猫既是死的，也是活的</a:t>
+            </a:r>
           </a:p>
         </p:txBody>
       </p:sp>
     </p:spTree>
     <p:extLst>
       <p:ext uri="{BB962C8B-B14F-4D97-AF65-F5344CB8AC3E}">
-        <p14:creationId xmlns:p14="http://schemas.microsoft.com/office/powerpoint/2010/main" val="1522054385"/>
+        <p14:creationId xmlns:p14="http://schemas.microsoft.com/office/powerpoint/2010/main" val="175908976"/>
       </p:ext>
     </p:extLst>
   </p:cSld>
@@ -4032,93 +3798,41 @@
       </p:grpSpPr>
       <p:sp>
         <p:nvSpPr>
-          <p:cNvPr id="4" name="矩形 3"/>
+          <p:cNvPr id="3" name="矩形 2"/>
           <p:cNvSpPr/>
           <p:nvPr/>
         </p:nvSpPr>
         <p:spPr>
           <a:xfrm>
-            <a:off x="1032851" y="1115284"/>
-            <a:ext cx="2262158" cy="923330"/>
+            <a:off x="764273" y="354841"/>
+            <a:ext cx="10931858" cy="584775"/>
           </a:xfrm>
           <a:prstGeom prst="rect">
             <a:avLst/>
           </a:prstGeom>
         </p:spPr>
         <p:txBody>
-          <a:bodyPr wrap="none">
+          <a:bodyPr wrap="square">
             <a:spAutoFit/>
           </a:bodyPr>
           <a:lstStyle/>
           <a:p>
             <a:r>
-              <a:rPr lang="zh-CN" altLang="en-US" sz="5400" dirty="0" smtClean="0"/>
-              <a:t>叠加态</a:t>
-            </a:r>
-            <a:endParaRPr lang="zh-CN" altLang="en-US" sz="5400" dirty="0"/>
-          </a:p>
-        </p:txBody>
-      </p:sp>
-      <p:sp>
-        <p:nvSpPr>
-          <p:cNvPr id="5" name="矩形 4"/>
-          <p:cNvSpPr/>
-          <p:nvPr/>
-        </p:nvSpPr>
-        <p:spPr>
-          <a:xfrm>
-            <a:off x="1032851" y="2727994"/>
-            <a:ext cx="1569660" cy="923330"/>
-          </a:xfrm>
-          <a:prstGeom prst="rect">
-            <a:avLst/>
-          </a:prstGeom>
-        </p:spPr>
-        <p:txBody>
-          <a:bodyPr wrap="none">
-            <a:spAutoFit/>
-          </a:bodyPr>
-          <a:lstStyle/>
-          <a:p>
-            <a:r>
-              <a:rPr lang="zh-CN" altLang="en-US" sz="5400" dirty="0"/>
-              <a:t>测量</a:t>
-            </a:r>
-          </a:p>
-        </p:txBody>
-      </p:sp>
-      <p:sp>
-        <p:nvSpPr>
-          <p:cNvPr id="6" name="矩形 5"/>
-          <p:cNvSpPr/>
-          <p:nvPr/>
-        </p:nvSpPr>
-        <p:spPr>
-          <a:xfrm>
-            <a:off x="1032851" y="4340704"/>
-            <a:ext cx="1569660" cy="923330"/>
-          </a:xfrm>
-          <a:prstGeom prst="rect">
-            <a:avLst/>
-          </a:prstGeom>
-        </p:spPr>
-        <p:txBody>
-          <a:bodyPr wrap="none">
-            <a:spAutoFit/>
-          </a:bodyPr>
-          <a:lstStyle/>
-          <a:p>
-            <a:r>
-              <a:rPr lang="zh-CN" altLang="en-US" sz="5400" dirty="0"/>
-              <a:t>结果</a:t>
-            </a:r>
+              <a:rPr lang="zh-CN" altLang="en-US" sz="3200" dirty="0" smtClean="0"/>
+              <a:t>薛定谔的</a:t>
+            </a:r>
+            <a:r>
+              <a:rPr lang="zh-CN" altLang="en-US" sz="3200" dirty="0" smtClean="0"/>
+              <a:t>“滚”</a:t>
+            </a:r>
+            <a:endParaRPr lang="zh-CN" altLang="en-US" sz="3200" dirty="0"/>
           </a:p>
         </p:txBody>
       </p:sp>
     </p:spTree>
     <p:extLst>
       <p:ext uri="{BB962C8B-B14F-4D97-AF65-F5344CB8AC3E}">
-        <p14:creationId xmlns:p14="http://schemas.microsoft.com/office/powerpoint/2010/main" val="3620023828"/>
+        <p14:creationId xmlns:p14="http://schemas.microsoft.com/office/powerpoint/2010/main" val="604802966"/>
       </p:ext>
     </p:extLst>
   </p:cSld>
@@ -4160,8 +3874,8 @@
         </p:nvSpPr>
         <p:spPr>
           <a:xfrm>
-            <a:off x="573205" y="354841"/>
-            <a:ext cx="10931858" cy="1200329"/>
+            <a:off x="764273" y="354841"/>
+            <a:ext cx="1897040" cy="584775"/>
           </a:xfrm>
           <a:prstGeom prst="rect">
             <a:avLst/>
@@ -4174,52 +3888,17 @@
           <a:lstStyle/>
           <a:p>
             <a:r>
-              <a:rPr lang="zh-CN" altLang="en-US" dirty="0" smtClean="0"/>
-              <a:t>薛定谔的“滚”？</a:t>
-            </a:r>
-            <a:endParaRPr lang="en-US" altLang="zh-CN" dirty="0" smtClean="0"/>
-          </a:p>
-          <a:p>
-            <a:r>
-              <a:rPr lang="zh-CN" altLang="en-US" dirty="0" smtClean="0"/>
-              <a:t>当你的女朋友对你说出“滚”时，即进入了薛定谔的“滚”的状态。在这时，女朋友可能是想让你抱住她，也可能是让你真的滚。在你作出实际的动作之前，女朋友处于既要你紧紧抱住她，又要你真的有多远滚多远的叠加状态，你能预见到这两种状态但又永远无法确定女朋友到底要闹哪样，直到你进行下一步行动。</a:t>
-            </a:r>
-            <a:endParaRPr lang="zh-CN" altLang="en-US" dirty="0"/>
-          </a:p>
-        </p:txBody>
-      </p:sp>
-      <p:sp>
-        <p:nvSpPr>
-          <p:cNvPr id="4" name="矩形 3"/>
-          <p:cNvSpPr/>
-          <p:nvPr/>
-        </p:nvSpPr>
-        <p:spPr>
-          <a:xfrm>
-            <a:off x="573205" y="1680948"/>
-            <a:ext cx="10931858" cy="369332"/>
-          </a:xfrm>
-          <a:prstGeom prst="rect">
-            <a:avLst/>
-          </a:prstGeom>
-        </p:spPr>
-        <p:txBody>
-          <a:bodyPr wrap="square">
-            <a:spAutoFit/>
-          </a:bodyPr>
-          <a:lstStyle/>
-          <a:p>
-            <a:r>
-              <a:rPr lang="zh-CN" altLang="en-US" dirty="0" smtClean="0"/>
-              <a:t>薛定谔的硬币</a:t>
-            </a:r>
+              <a:rPr lang="zh-CN" altLang="en-US" sz="3200" dirty="0" smtClean="0"/>
+              <a:t>平行宇宙</a:t>
+            </a:r>
+            <a:endParaRPr lang="zh-CN" altLang="en-US" sz="3200" dirty="0"/>
           </a:p>
         </p:txBody>
       </p:sp>
     </p:spTree>
     <p:extLst>
       <p:ext uri="{BB962C8B-B14F-4D97-AF65-F5344CB8AC3E}">
-        <p14:creationId xmlns:p14="http://schemas.microsoft.com/office/powerpoint/2010/main" val="604802966"/>
+        <p14:creationId xmlns:p14="http://schemas.microsoft.com/office/powerpoint/2010/main" val="4133666933"/>
       </p:ext>
     </p:extLst>
   </p:cSld>
